--- a/ML_Model_presentation.pptx
+++ b/ML_Model_presentation.pptx
@@ -5732,6 +5732,81 @@
                 <a:hlinkClick r:id="rId4"/>
               </a:rPr>
               <a:t>colab</a:t>
+            </a:r>
+            <a:endParaRPr lang="en-IN" sz="1800" dirty="0">
+              <a:latin typeface="Times New Roman" panose="02020603050405020304" pitchFamily="18" charset="0"/>
+              <a:cs typeface="Times New Roman" panose="02020603050405020304" pitchFamily="18" charset="0"/>
+            </a:endParaRPr>
+          </a:p>
+          <a:p>
+            <a:r>
+              <a:rPr lang="en-IN" sz="1800" dirty="0">
+                <a:latin typeface="Times New Roman" panose="02020603050405020304" pitchFamily="18" charset="0"/>
+                <a:cs typeface="Times New Roman" panose="02020603050405020304" pitchFamily="18" charset="0"/>
+              </a:rPr>
+              <a:t>n</a:t>
+            </a:r>
+            <a:r>
+              <a:rPr lang="en-IN" sz="1800">
+                <a:latin typeface="Times New Roman" panose="02020603050405020304" pitchFamily="18" charset="0"/>
+                <a:cs typeface="Times New Roman" panose="02020603050405020304" pitchFamily="18" charset="0"/>
+              </a:rPr>
+              <a:t>grok</a:t>
+            </a:r>
+            <a:r>
+              <a:rPr lang="en-IN" sz="1800" dirty="0">
+                <a:latin typeface="Times New Roman" panose="02020603050405020304" pitchFamily="18" charset="0"/>
+                <a:cs typeface="Times New Roman" panose="02020603050405020304" pitchFamily="18" charset="0"/>
+              </a:rPr>
+              <a:t> – </a:t>
+            </a:r>
+            <a:r>
+              <a:rPr lang="en-IN" sz="1800" dirty="0" err="1">
+                <a:latin typeface="Times New Roman" panose="02020603050405020304" pitchFamily="18" charset="0"/>
+                <a:cs typeface="Times New Roman" panose="02020603050405020304" pitchFamily="18" charset="0"/>
+              </a:rPr>
+              <a:t>Autherization</a:t>
+            </a:r>
+            <a:r>
+              <a:rPr lang="en-IN" sz="1800" dirty="0">
+                <a:latin typeface="Times New Roman" panose="02020603050405020304" pitchFamily="18" charset="0"/>
+                <a:cs typeface="Times New Roman" panose="02020603050405020304" pitchFamily="18" charset="0"/>
+              </a:rPr>
+              <a:t> token used for </a:t>
+            </a:r>
+            <a:r>
+              <a:rPr lang="en-IN" sz="1800" dirty="0" err="1">
+                <a:latin typeface="Times New Roman" panose="02020603050405020304" pitchFamily="18" charset="0"/>
+                <a:cs typeface="Times New Roman" panose="02020603050405020304" pitchFamily="18" charset="0"/>
+              </a:rPr>
+              <a:t>streamlit</a:t>
+            </a:r>
+            <a:r>
+              <a:rPr lang="en-IN" sz="1800" dirty="0">
+                <a:latin typeface="Times New Roman" panose="02020603050405020304" pitchFamily="18" charset="0"/>
+                <a:cs typeface="Times New Roman" panose="02020603050405020304" pitchFamily="18" charset="0"/>
+              </a:rPr>
+              <a:t> App </a:t>
+            </a:r>
+          </a:p>
+          <a:p>
+            <a:pPr marL="0" indent="0">
+              <a:buNone/>
+            </a:pPr>
+            <a:r>
+              <a:rPr lang="en-IN" sz="1800" dirty="0">
+                <a:latin typeface="Times New Roman" panose="02020603050405020304" pitchFamily="18" charset="0"/>
+                <a:cs typeface="Times New Roman" panose="02020603050405020304" pitchFamily="18" charset="0"/>
+              </a:rPr>
+              <a:t>		link: </a:t>
+            </a:r>
+            <a:r>
+              <a:rPr lang="en-IN" sz="1800" dirty="0" err="1">
+                <a:latin typeface="Times New Roman" panose="02020603050405020304" pitchFamily="18" charset="0"/>
+                <a:cs typeface="Times New Roman" panose="02020603050405020304" pitchFamily="18" charset="0"/>
+                <a:hlinkClick r:id="rId5"/>
+              </a:rPr>
+              <a:t>ngrok</a:t>
             </a:r>
             <a:endParaRPr lang="en-IN" sz="1800" dirty="0">
               <a:latin typeface="Times New Roman" panose="02020603050405020304" pitchFamily="18" charset="0"/>
@@ -8205,12 +8280,12 @@
 </file>
 
 <file path=customXml/item1.xml><?xml version="1.0" encoding="utf-8"?>
-<?mso-contentType ?>
-<FormTemplates xmlns="http://schemas.microsoft.com/sharepoint/v3/contenttype/forms">
-  <Display>DocumentLibraryForm</Display>
-  <Edit>DocumentLibraryForm</Edit>
-  <New>DocumentLibraryForm</New>
-</FormTemplates>
+<p:properties xmlns:p="http://schemas.microsoft.com/office/2006/metadata/properties" xmlns:xsi="http://www.w3.org/2001/XMLSchema-instance" xmlns:pc="http://schemas.microsoft.com/office/infopath/2007/PartnerControls">
+  <documentManagement>
+    <MediaServiceKeyPoints xmlns="9162bd5b-4ed9-4da3-b376-05204580ba3f" xsi:nil="true"/>
+    <_activity xmlns="9162bd5b-4ed9-4da3-b376-05204580ba3f" xsi:nil="true"/>
+  </documentManagement>
+</p:properties>
 </file>
 
 <file path=customXml/item2.xml><?xml version="1.0" encoding="utf-8"?>
@@ -8461,18 +8536,27 @@
 </file>
 
 <file path=customXml/item3.xml><?xml version="1.0" encoding="utf-8"?>
-<p:properties xmlns:p="http://schemas.microsoft.com/office/2006/metadata/properties" xmlns:xsi="http://www.w3.org/2001/XMLSchema-instance" xmlns:pc="http://schemas.microsoft.com/office/infopath/2007/PartnerControls">
-  <documentManagement>
-    <MediaServiceKeyPoints xmlns="9162bd5b-4ed9-4da3-b376-05204580ba3f" xsi:nil="true"/>
-    <_activity xmlns="9162bd5b-4ed9-4da3-b376-05204580ba3f" xsi:nil="true"/>
-  </documentManagement>
-</p:properties>
+<?mso-contentType ?>
+<FormTemplates xmlns="http://schemas.microsoft.com/sharepoint/v3/contenttype/forms">
+  <Display>DocumentLibraryForm</Display>
+  <Edit>DocumentLibraryForm</Edit>
+  <New>DocumentLibraryForm</New>
+</FormTemplates>
 </file>
 
 <file path=customXml/itemProps1.xml><?xml version="1.0" encoding="utf-8"?>
-<ds:datastoreItem xmlns:ds="http://schemas.openxmlformats.org/officeDocument/2006/customXml" ds:itemID="{927BD4C1-B6B1-4715-ABF9-E660A51A4EA0}">
+<ds:datastoreItem xmlns:ds="http://schemas.openxmlformats.org/officeDocument/2006/customXml" ds:itemID="{8D289AE2-D2AE-49D1-AFAC-3A79F6794255}">
   <ds:schemaRefs>
-    <ds:schemaRef ds:uri="http://schemas.microsoft.com/sharepoint/v3/contenttype/forms"/>
+    <ds:schemaRef ds:uri="http://purl.org/dc/terms/"/>
+    <ds:schemaRef ds:uri="http://schemas.openxmlformats.org/package/2006/metadata/core-properties"/>
+    <ds:schemaRef ds:uri="http://schemas.microsoft.com/office/2006/documentManagement/types"/>
+    <ds:schemaRef ds:uri="http://schemas.microsoft.com/office/infopath/2007/PartnerControls"/>
+    <ds:schemaRef ds:uri="http://purl.org/dc/elements/1.1/"/>
+    <ds:schemaRef ds:uri="http://schemas.microsoft.com/office/2006/metadata/properties"/>
+    <ds:schemaRef ds:uri="c0fa2617-96bd-425d-8578-e93563fe37c5"/>
+    <ds:schemaRef ds:uri="9162bd5b-4ed9-4da3-b376-05204580ba3f"/>
+    <ds:schemaRef ds:uri="http://www.w3.org/XML/1998/namespace"/>
+    <ds:schemaRef ds:uri="http://purl.org/dc/dcmitype/"/>
   </ds:schemaRefs>
 </ds:datastoreItem>
 </file>
@@ -8497,18 +8581,9 @@
 </file>
 
 <file path=customXml/itemProps3.xml><?xml version="1.0" encoding="utf-8"?>
-<ds:datastoreItem xmlns:ds="http://schemas.openxmlformats.org/officeDocument/2006/customXml" ds:itemID="{8D289AE2-D2AE-49D1-AFAC-3A79F6794255}">
+<ds:datastoreItem xmlns:ds="http://schemas.openxmlformats.org/officeDocument/2006/customXml" ds:itemID="{927BD4C1-B6B1-4715-ABF9-E660A51A4EA0}">
   <ds:schemaRefs>
-    <ds:schemaRef ds:uri="http://purl.org/dc/terms/"/>
-    <ds:schemaRef ds:uri="http://schemas.openxmlformats.org/package/2006/metadata/core-properties"/>
-    <ds:schemaRef ds:uri="http://schemas.microsoft.com/office/2006/documentManagement/types"/>
-    <ds:schemaRef ds:uri="http://schemas.microsoft.com/office/infopath/2007/PartnerControls"/>
-    <ds:schemaRef ds:uri="http://purl.org/dc/elements/1.1/"/>
-    <ds:schemaRef ds:uri="http://schemas.microsoft.com/office/2006/metadata/properties"/>
-    <ds:schemaRef ds:uri="c0fa2617-96bd-425d-8578-e93563fe37c5"/>
-    <ds:schemaRef ds:uri="9162bd5b-4ed9-4da3-b376-05204580ba3f"/>
-    <ds:schemaRef ds:uri="http://www.w3.org/XML/1998/namespace"/>
-    <ds:schemaRef ds:uri="http://purl.org/dc/dcmitype/"/>
+    <ds:schemaRef ds:uri="http://schemas.microsoft.com/sharepoint/v3/contenttype/forms"/>
   </ds:schemaRefs>
 </ds:datastoreItem>
 </file>